--- a/tests/test_data/test-script-md.pptx
+++ b/tests/test_data/test-script-md.pptx
@@ -3512,7 +3512,7 @@
       <p:grpSpPr/>
       <p:pic>
         <p:nvPicPr>
-          <p:cNvPr id="2" name="Picture 1" descr="test-image-sl.jpg"/>
+          <p:cNvPr id="2" name="Picture 1" descr="highlighted_awrh6hy2.png"/>
           <p:cNvPicPr>
             <a:picLocks noChangeAspect="1"/>
           </p:cNvPicPr>
